--- a/Dokumente/Abschlusspräsentation/Semvis – Air  Reflexion.pptx
+++ b/Dokumente/Abschlusspräsentation/Semvis – Air  Reflexion.pptx
@@ -5008,6 +5008,9 @@
                     <p:cTn id="3" fill="hold">
                       <p:stCondLst>
                         <p:cond delay="indefinite"/>
+                        <p:cond evt="onBegin" delay="0">
+                          <p:tn val="2"/>
+                        </p:cond>
                       </p:stCondLst>
                       <p:childTnLst>
                         <p:par>
@@ -5017,7 +5020,7 @@
                             </p:stCondLst>
                             <p:childTnLst>
                               <p:par>
-                                <p:cTn id="5" presetID="42" presetClass="entr" presetSubtype="0" fill="hold" nodeType="clickEffect">
+                                <p:cTn id="5" presetID="42" presetClass="entr" presetSubtype="0" fill="hold" nodeType="withEffect">
                                   <p:stCondLst>
                                     <p:cond delay="0"/>
                                   </p:stCondLst>
@@ -5025,333 +5028,6 @@
                                     <p:set>
                                       <p:cBhvr>
                                         <p:cTn id="6" dur="1" fill="hold">
-                                          <p:stCondLst>
-                                            <p:cond delay="0"/>
-                                          </p:stCondLst>
-                                        </p:cTn>
-                                        <p:tgtEl>
-                                          <p:spTgt spid="3">
-                                            <p:txEl>
-                                              <p:pRg st="0" end="0"/>
-                                            </p:txEl>
-                                          </p:spTgt>
-                                        </p:tgtEl>
-                                        <p:attrNameLst>
-                                          <p:attrName>style.visibility</p:attrName>
-                                        </p:attrNameLst>
-                                      </p:cBhvr>
-                                      <p:to>
-                                        <p:strVal val="visible"/>
-                                      </p:to>
-                                    </p:set>
-                                    <p:animEffect transition="in" filter="fade">
-                                      <p:cBhvr>
-                                        <p:cTn id="7" dur="1000"/>
-                                        <p:tgtEl>
-                                          <p:spTgt spid="3">
-                                            <p:txEl>
-                                              <p:pRg st="0" end="0"/>
-                                            </p:txEl>
-                                          </p:spTgt>
-                                        </p:tgtEl>
-                                      </p:cBhvr>
-                                    </p:animEffect>
-                                    <p:anim calcmode="lin" valueType="num">
-                                      <p:cBhvr>
-                                        <p:cTn id="8" dur="1000" fill="hold"/>
-                                        <p:tgtEl>
-                                          <p:spTgt spid="3">
-                                            <p:txEl>
-                                              <p:pRg st="0" end="0"/>
-                                            </p:txEl>
-                                          </p:spTgt>
-                                        </p:tgtEl>
-                                        <p:attrNameLst>
-                                          <p:attrName>ppt_x</p:attrName>
-                                        </p:attrNameLst>
-                                      </p:cBhvr>
-                                      <p:tavLst>
-                                        <p:tav tm="0">
-                                          <p:val>
-                                            <p:strVal val="#ppt_x"/>
-                                          </p:val>
-                                        </p:tav>
-                                        <p:tav tm="100000">
-                                          <p:val>
-                                            <p:strVal val="#ppt_x"/>
-                                          </p:val>
-                                        </p:tav>
-                                      </p:tavLst>
-                                    </p:anim>
-                                    <p:anim calcmode="lin" valueType="num">
-                                      <p:cBhvr>
-                                        <p:cTn id="9" dur="1000" fill="hold"/>
-                                        <p:tgtEl>
-                                          <p:spTgt spid="3">
-                                            <p:txEl>
-                                              <p:pRg st="0" end="0"/>
-                                            </p:txEl>
-                                          </p:spTgt>
-                                        </p:tgtEl>
-                                        <p:attrNameLst>
-                                          <p:attrName>ppt_y</p:attrName>
-                                        </p:attrNameLst>
-                                      </p:cBhvr>
-                                      <p:tavLst>
-                                        <p:tav tm="0">
-                                          <p:val>
-                                            <p:strVal val="#ppt_y+.1"/>
-                                          </p:val>
-                                        </p:tav>
-                                        <p:tav tm="100000">
-                                          <p:val>
-                                            <p:strVal val="#ppt_y"/>
-                                          </p:val>
-                                        </p:tav>
-                                      </p:tavLst>
-                                    </p:anim>
-                                  </p:childTnLst>
-                                </p:cTn>
-                              </p:par>
-                            </p:childTnLst>
-                          </p:cTn>
-                        </p:par>
-                      </p:childTnLst>
-                    </p:cTn>
-                  </p:par>
-                  <p:par>
-                    <p:cTn id="10" fill="hold">
-                      <p:stCondLst>
-                        <p:cond delay="indefinite"/>
-                      </p:stCondLst>
-                      <p:childTnLst>
-                        <p:par>
-                          <p:cTn id="11" fill="hold">
-                            <p:stCondLst>
-                              <p:cond delay="0"/>
-                            </p:stCondLst>
-                            <p:childTnLst>
-                              <p:par>
-                                <p:cTn id="12" presetID="42" presetClass="entr" presetSubtype="0" fill="hold" nodeType="clickEffect">
-                                  <p:stCondLst>
-                                    <p:cond delay="0"/>
-                                  </p:stCondLst>
-                                  <p:childTnLst>
-                                    <p:set>
-                                      <p:cBhvr>
-                                        <p:cTn id="13" dur="1" fill="hold">
-                                          <p:stCondLst>
-                                            <p:cond delay="0"/>
-                                          </p:stCondLst>
-                                        </p:cTn>
-                                        <p:tgtEl>
-                                          <p:spTgt spid="3">
-                                            <p:txEl>
-                                              <p:pRg st="2" end="2"/>
-                                            </p:txEl>
-                                          </p:spTgt>
-                                        </p:tgtEl>
-                                        <p:attrNameLst>
-                                          <p:attrName>style.visibility</p:attrName>
-                                        </p:attrNameLst>
-                                      </p:cBhvr>
-                                      <p:to>
-                                        <p:strVal val="visible"/>
-                                      </p:to>
-                                    </p:set>
-                                    <p:animEffect transition="in" filter="fade">
-                                      <p:cBhvr>
-                                        <p:cTn id="14" dur="1000"/>
-                                        <p:tgtEl>
-                                          <p:spTgt spid="3">
-                                            <p:txEl>
-                                              <p:pRg st="2" end="2"/>
-                                            </p:txEl>
-                                          </p:spTgt>
-                                        </p:tgtEl>
-                                      </p:cBhvr>
-                                    </p:animEffect>
-                                    <p:anim calcmode="lin" valueType="num">
-                                      <p:cBhvr>
-                                        <p:cTn id="15" dur="1000" fill="hold"/>
-                                        <p:tgtEl>
-                                          <p:spTgt spid="3">
-                                            <p:txEl>
-                                              <p:pRg st="2" end="2"/>
-                                            </p:txEl>
-                                          </p:spTgt>
-                                        </p:tgtEl>
-                                        <p:attrNameLst>
-                                          <p:attrName>ppt_x</p:attrName>
-                                        </p:attrNameLst>
-                                      </p:cBhvr>
-                                      <p:tavLst>
-                                        <p:tav tm="0">
-                                          <p:val>
-                                            <p:strVal val="#ppt_x"/>
-                                          </p:val>
-                                        </p:tav>
-                                        <p:tav tm="100000">
-                                          <p:val>
-                                            <p:strVal val="#ppt_x"/>
-                                          </p:val>
-                                        </p:tav>
-                                      </p:tavLst>
-                                    </p:anim>
-                                    <p:anim calcmode="lin" valueType="num">
-                                      <p:cBhvr>
-                                        <p:cTn id="16" dur="1000" fill="hold"/>
-                                        <p:tgtEl>
-                                          <p:spTgt spid="3">
-                                            <p:txEl>
-                                              <p:pRg st="2" end="2"/>
-                                            </p:txEl>
-                                          </p:spTgt>
-                                        </p:tgtEl>
-                                        <p:attrNameLst>
-                                          <p:attrName>ppt_y</p:attrName>
-                                        </p:attrNameLst>
-                                      </p:cBhvr>
-                                      <p:tavLst>
-                                        <p:tav tm="0">
-                                          <p:val>
-                                            <p:strVal val="#ppt_y+.1"/>
-                                          </p:val>
-                                        </p:tav>
-                                        <p:tav tm="100000">
-                                          <p:val>
-                                            <p:strVal val="#ppt_y"/>
-                                          </p:val>
-                                        </p:tav>
-                                      </p:tavLst>
-                                    </p:anim>
-                                  </p:childTnLst>
-                                </p:cTn>
-                              </p:par>
-                            </p:childTnLst>
-                          </p:cTn>
-                        </p:par>
-                      </p:childTnLst>
-                    </p:cTn>
-                  </p:par>
-                  <p:par>
-                    <p:cTn id="17" fill="hold">
-                      <p:stCondLst>
-                        <p:cond delay="indefinite"/>
-                      </p:stCondLst>
-                      <p:childTnLst>
-                        <p:par>
-                          <p:cTn id="18" fill="hold">
-                            <p:stCondLst>
-                              <p:cond delay="0"/>
-                            </p:stCondLst>
-                            <p:childTnLst>
-                              <p:par>
-                                <p:cTn id="19" presetID="42" presetClass="entr" presetSubtype="0" fill="hold" nodeType="clickEffect">
-                                  <p:stCondLst>
-                                    <p:cond delay="0"/>
-                                  </p:stCondLst>
-                                  <p:childTnLst>
-                                    <p:set>
-                                      <p:cBhvr>
-                                        <p:cTn id="20" dur="1" fill="hold">
-                                          <p:stCondLst>
-                                            <p:cond delay="0"/>
-                                          </p:stCondLst>
-                                        </p:cTn>
-                                        <p:tgtEl>
-                                          <p:spTgt spid="3">
-                                            <p:txEl>
-                                              <p:pRg st="4" end="4"/>
-                                            </p:txEl>
-                                          </p:spTgt>
-                                        </p:tgtEl>
-                                        <p:attrNameLst>
-                                          <p:attrName>style.visibility</p:attrName>
-                                        </p:attrNameLst>
-                                      </p:cBhvr>
-                                      <p:to>
-                                        <p:strVal val="visible"/>
-                                      </p:to>
-                                    </p:set>
-                                    <p:animEffect transition="in" filter="fade">
-                                      <p:cBhvr>
-                                        <p:cTn id="21" dur="1000"/>
-                                        <p:tgtEl>
-                                          <p:spTgt spid="3">
-                                            <p:txEl>
-                                              <p:pRg st="4" end="4"/>
-                                            </p:txEl>
-                                          </p:spTgt>
-                                        </p:tgtEl>
-                                      </p:cBhvr>
-                                    </p:animEffect>
-                                    <p:anim calcmode="lin" valueType="num">
-                                      <p:cBhvr>
-                                        <p:cTn id="22" dur="1000" fill="hold"/>
-                                        <p:tgtEl>
-                                          <p:spTgt spid="3">
-                                            <p:txEl>
-                                              <p:pRg st="4" end="4"/>
-                                            </p:txEl>
-                                          </p:spTgt>
-                                        </p:tgtEl>
-                                        <p:attrNameLst>
-                                          <p:attrName>ppt_x</p:attrName>
-                                        </p:attrNameLst>
-                                      </p:cBhvr>
-                                      <p:tavLst>
-                                        <p:tav tm="0">
-                                          <p:val>
-                                            <p:strVal val="#ppt_x"/>
-                                          </p:val>
-                                        </p:tav>
-                                        <p:tav tm="100000">
-                                          <p:val>
-                                            <p:strVal val="#ppt_x"/>
-                                          </p:val>
-                                        </p:tav>
-                                      </p:tavLst>
-                                    </p:anim>
-                                    <p:anim calcmode="lin" valueType="num">
-                                      <p:cBhvr>
-                                        <p:cTn id="23" dur="1000" fill="hold"/>
-                                        <p:tgtEl>
-                                          <p:spTgt spid="3">
-                                            <p:txEl>
-                                              <p:pRg st="4" end="4"/>
-                                            </p:txEl>
-                                          </p:spTgt>
-                                        </p:tgtEl>
-                                        <p:attrNameLst>
-                                          <p:attrName>ppt_y</p:attrName>
-                                        </p:attrNameLst>
-                                      </p:cBhvr>
-                                      <p:tavLst>
-                                        <p:tav tm="0">
-                                          <p:val>
-                                            <p:strVal val="#ppt_y+.1"/>
-                                          </p:val>
-                                        </p:tav>
-                                        <p:tav tm="100000">
-                                          <p:val>
-                                            <p:strVal val="#ppt_y"/>
-                                          </p:val>
-                                        </p:tav>
-                                      </p:tavLst>
-                                    </p:anim>
-                                  </p:childTnLst>
-                                </p:cTn>
-                              </p:par>
-                              <p:par>
-                                <p:cTn id="24" presetID="42" presetClass="entr" presetSubtype="0" fill="hold" nodeType="withEffect">
-                                  <p:stCondLst>
-                                    <p:cond delay="0"/>
-                                  </p:stCondLst>
-                                  <p:childTnLst>
-                                    <p:set>
-                                      <p:cBhvr>
-                                        <p:cTn id="25" dur="1" fill="hold">
                                           <p:stCondLst>
                                             <p:cond delay="0"/>
                                           </p:stCondLst>
@@ -5369,7 +5045,7 @@
                                     </p:set>
                                     <p:animEffect transition="in" filter="fade">
                                       <p:cBhvr>
-                                        <p:cTn id="26" dur="1000"/>
+                                        <p:cTn id="7" dur="1000"/>
                                         <p:tgtEl>
                                           <p:spTgt spid="4"/>
                                         </p:tgtEl>
@@ -5377,7 +5053,7 @@
                                     </p:animEffect>
                                     <p:anim calcmode="lin" valueType="num">
                                       <p:cBhvr>
-                                        <p:cTn id="27" dur="1000" fill="hold"/>
+                                        <p:cTn id="8" dur="1000" fill="hold"/>
                                         <p:tgtEl>
                                           <p:spTgt spid="4"/>
                                         </p:tgtEl>
@@ -5400,7 +5076,7 @@
                                     </p:anim>
                                     <p:anim calcmode="lin" valueType="num">
                                       <p:cBhvr>
-                                        <p:cTn id="28" dur="1000" fill="hold"/>
+                                        <p:cTn id="9" dur="1000" fill="hold"/>
                                         <p:tgtEl>
                                           <p:spTgt spid="4"/>
                                         </p:tgtEl>
@@ -5427,251 +5103,21 @@
                             </p:childTnLst>
                           </p:cTn>
                         </p:par>
-                      </p:childTnLst>
-                    </p:cTn>
-                  </p:par>
-                  <p:par>
-                    <p:cTn id="29" fill="hold">
-                      <p:stCondLst>
-                        <p:cond delay="indefinite"/>
-                      </p:stCondLst>
-                      <p:childTnLst>
                         <p:par>
-                          <p:cTn id="30" fill="hold">
+                          <p:cTn id="10" fill="hold">
                             <p:stCondLst>
-                              <p:cond delay="0"/>
+                              <p:cond delay="1000"/>
                             </p:stCondLst>
                             <p:childTnLst>
                               <p:par>
-                                <p:cTn id="31" presetID="42" presetClass="entr" presetSubtype="0" fill="hold" nodeType="clickEffect">
+                                <p:cTn id="11" presetID="10" presetClass="entr" presetSubtype="0" fill="hold" nodeType="afterEffect">
                                   <p:stCondLst>
                                     <p:cond delay="0"/>
                                   </p:stCondLst>
                                   <p:childTnLst>
                                     <p:set>
                                       <p:cBhvr>
-                                        <p:cTn id="32" dur="1" fill="hold">
-                                          <p:stCondLst>
-                                            <p:cond delay="0"/>
-                                          </p:stCondLst>
-                                        </p:cTn>
-                                        <p:tgtEl>
-                                          <p:spTgt spid="3">
-                                            <p:txEl>
-                                              <p:pRg st="6" end="6"/>
-                                            </p:txEl>
-                                          </p:spTgt>
-                                        </p:tgtEl>
-                                        <p:attrNameLst>
-                                          <p:attrName>style.visibility</p:attrName>
-                                        </p:attrNameLst>
-                                      </p:cBhvr>
-                                      <p:to>
-                                        <p:strVal val="visible"/>
-                                      </p:to>
-                                    </p:set>
-                                    <p:animEffect transition="in" filter="fade">
-                                      <p:cBhvr>
-                                        <p:cTn id="33" dur="1000"/>
-                                        <p:tgtEl>
-                                          <p:spTgt spid="3">
-                                            <p:txEl>
-                                              <p:pRg st="6" end="6"/>
-                                            </p:txEl>
-                                          </p:spTgt>
-                                        </p:tgtEl>
-                                      </p:cBhvr>
-                                    </p:animEffect>
-                                    <p:anim calcmode="lin" valueType="num">
-                                      <p:cBhvr>
-                                        <p:cTn id="34" dur="1000" fill="hold"/>
-                                        <p:tgtEl>
-                                          <p:spTgt spid="3">
-                                            <p:txEl>
-                                              <p:pRg st="6" end="6"/>
-                                            </p:txEl>
-                                          </p:spTgt>
-                                        </p:tgtEl>
-                                        <p:attrNameLst>
-                                          <p:attrName>ppt_x</p:attrName>
-                                        </p:attrNameLst>
-                                      </p:cBhvr>
-                                      <p:tavLst>
-                                        <p:tav tm="0">
-                                          <p:val>
-                                            <p:strVal val="#ppt_x"/>
-                                          </p:val>
-                                        </p:tav>
-                                        <p:tav tm="100000">
-                                          <p:val>
-                                            <p:strVal val="#ppt_x"/>
-                                          </p:val>
-                                        </p:tav>
-                                      </p:tavLst>
-                                    </p:anim>
-                                    <p:anim calcmode="lin" valueType="num">
-                                      <p:cBhvr>
-                                        <p:cTn id="35" dur="1000" fill="hold"/>
-                                        <p:tgtEl>
-                                          <p:spTgt spid="3">
-                                            <p:txEl>
-                                              <p:pRg st="6" end="6"/>
-                                            </p:txEl>
-                                          </p:spTgt>
-                                        </p:tgtEl>
-                                        <p:attrNameLst>
-                                          <p:attrName>ppt_y</p:attrName>
-                                        </p:attrNameLst>
-                                      </p:cBhvr>
-                                      <p:tavLst>
-                                        <p:tav tm="0">
-                                          <p:val>
-                                            <p:strVal val="#ppt_y+.1"/>
-                                          </p:val>
-                                        </p:tav>
-                                        <p:tav tm="100000">
-                                          <p:val>
-                                            <p:strVal val="#ppt_y"/>
-                                          </p:val>
-                                        </p:tav>
-                                      </p:tavLst>
-                                    </p:anim>
-                                  </p:childTnLst>
-                                </p:cTn>
-                              </p:par>
-                            </p:childTnLst>
-                          </p:cTn>
-                        </p:par>
-                      </p:childTnLst>
-                    </p:cTn>
-                  </p:par>
-                  <p:par>
-                    <p:cTn id="36" fill="hold">
-                      <p:stCondLst>
-                        <p:cond delay="indefinite"/>
-                      </p:stCondLst>
-                      <p:childTnLst>
-                        <p:par>
-                          <p:cTn id="37" fill="hold">
-                            <p:stCondLst>
-                              <p:cond delay="0"/>
-                            </p:stCondLst>
-                            <p:childTnLst>
-                              <p:par>
-                                <p:cTn id="38" presetID="42" presetClass="entr" presetSubtype="0" fill="hold" nodeType="clickEffect">
-                                  <p:stCondLst>
-                                    <p:cond delay="0"/>
-                                  </p:stCondLst>
-                                  <p:childTnLst>
-                                    <p:set>
-                                      <p:cBhvr>
-                                        <p:cTn id="39" dur="1" fill="hold">
-                                          <p:stCondLst>
-                                            <p:cond delay="0"/>
-                                          </p:stCondLst>
-                                        </p:cTn>
-                                        <p:tgtEl>
-                                          <p:spTgt spid="3">
-                                            <p:txEl>
-                                              <p:pRg st="8" end="8"/>
-                                            </p:txEl>
-                                          </p:spTgt>
-                                        </p:tgtEl>
-                                        <p:attrNameLst>
-                                          <p:attrName>style.visibility</p:attrName>
-                                        </p:attrNameLst>
-                                      </p:cBhvr>
-                                      <p:to>
-                                        <p:strVal val="visible"/>
-                                      </p:to>
-                                    </p:set>
-                                    <p:animEffect transition="in" filter="fade">
-                                      <p:cBhvr>
-                                        <p:cTn id="40" dur="1000"/>
-                                        <p:tgtEl>
-                                          <p:spTgt spid="3">
-                                            <p:txEl>
-                                              <p:pRg st="8" end="8"/>
-                                            </p:txEl>
-                                          </p:spTgt>
-                                        </p:tgtEl>
-                                      </p:cBhvr>
-                                    </p:animEffect>
-                                    <p:anim calcmode="lin" valueType="num">
-                                      <p:cBhvr>
-                                        <p:cTn id="41" dur="1000" fill="hold"/>
-                                        <p:tgtEl>
-                                          <p:spTgt spid="3">
-                                            <p:txEl>
-                                              <p:pRg st="8" end="8"/>
-                                            </p:txEl>
-                                          </p:spTgt>
-                                        </p:tgtEl>
-                                        <p:attrNameLst>
-                                          <p:attrName>ppt_x</p:attrName>
-                                        </p:attrNameLst>
-                                      </p:cBhvr>
-                                      <p:tavLst>
-                                        <p:tav tm="0">
-                                          <p:val>
-                                            <p:strVal val="#ppt_x"/>
-                                          </p:val>
-                                        </p:tav>
-                                        <p:tav tm="100000">
-                                          <p:val>
-                                            <p:strVal val="#ppt_x"/>
-                                          </p:val>
-                                        </p:tav>
-                                      </p:tavLst>
-                                    </p:anim>
-                                    <p:anim calcmode="lin" valueType="num">
-                                      <p:cBhvr>
-                                        <p:cTn id="42" dur="1000" fill="hold"/>
-                                        <p:tgtEl>
-                                          <p:spTgt spid="3">
-                                            <p:txEl>
-                                              <p:pRg st="8" end="8"/>
-                                            </p:txEl>
-                                          </p:spTgt>
-                                        </p:tgtEl>
-                                        <p:attrNameLst>
-                                          <p:attrName>ppt_y</p:attrName>
-                                        </p:attrNameLst>
-                                      </p:cBhvr>
-                                      <p:tavLst>
-                                        <p:tav tm="0">
-                                          <p:val>
-                                            <p:strVal val="#ppt_y+.1"/>
-                                          </p:val>
-                                        </p:tav>
-                                        <p:tav tm="100000">
-                                          <p:val>
-                                            <p:strVal val="#ppt_y"/>
-                                          </p:val>
-                                        </p:tav>
-                                      </p:tavLst>
-                                    </p:anim>
-                                  </p:childTnLst>
-                                </p:cTn>
-                              </p:par>
-                            </p:childTnLst>
-                          </p:cTn>
-                        </p:par>
-                        <p:par>
-                          <p:cTn id="43" fill="hold">
-                            <p:stCondLst>
-                              <p:cond delay="1000"/>
-                            </p:stCondLst>
-                            <p:childTnLst>
-                              <p:par>
-                                <p:cTn id="44" presetID="10" presetClass="entr" presetSubtype="0" fill="hold" nodeType="afterEffect">
-                                  <p:stCondLst>
-                                    <p:cond delay="0"/>
-                                  </p:stCondLst>
-                                  <p:childTnLst>
-                                    <p:set>
-                                      <p:cBhvr>
-                                        <p:cTn id="45" dur="1" fill="hold">
+                                        <p:cTn id="12" dur="1" fill="hold">
                                           <p:stCondLst>
                                             <p:cond delay="0"/>
                                           </p:stCondLst>
@@ -5693,7 +5139,7 @@
                                     </p:set>
                                     <p:animEffect transition="in" filter="fade">
                                       <p:cBhvr>
-                                        <p:cTn id="46" dur="500"/>
+                                        <p:cTn id="13" dur="500"/>
                                         <p:tgtEl>
                                           <p:spTgt spid="5">
                                             <p:txEl>
@@ -5793,7 +5239,7 @@
           <a:lstStyle/>
           <a:p>
             <a:r>
-              <a:rPr lang="de-DE" sz="2600" dirty="0"/>
+              <a:rPr lang="de-DE" sz="2600" dirty="0" smtClean="0"/>
               <a:t>Beeinträchtigung des Zeitmanagements            durch andere Pflichten </a:t>
             </a:r>
           </a:p>
@@ -5924,6 +5370,9 @@
                     <p:cTn id="3" fill="hold">
                       <p:stCondLst>
                         <p:cond delay="indefinite"/>
+                        <p:cond evt="onBegin" delay="0">
+                          <p:tn val="2"/>
+                        </p:cond>
                       </p:stCondLst>
                       <p:childTnLst>
                         <p:par>
@@ -5933,7 +5382,7 @@
                             </p:stCondLst>
                             <p:childTnLst>
                               <p:par>
-                                <p:cTn id="5" presetID="42" presetClass="entr" presetSubtype="0" fill="hold" nodeType="clickEffect">
+                                <p:cTn id="5" presetID="42" presetClass="entr" presetSubtype="0" fill="hold" nodeType="withEffect">
                                   <p:stCondLst>
                                     <p:cond delay="0"/>
                                   </p:stCondLst>
@@ -5941,333 +5390,6 @@
                                     <p:set>
                                       <p:cBhvr>
                                         <p:cTn id="6" dur="1" fill="hold">
-                                          <p:stCondLst>
-                                            <p:cond delay="0"/>
-                                          </p:stCondLst>
-                                        </p:cTn>
-                                        <p:tgtEl>
-                                          <p:spTgt spid="3">
-                                            <p:txEl>
-                                              <p:pRg st="0" end="0"/>
-                                            </p:txEl>
-                                          </p:spTgt>
-                                        </p:tgtEl>
-                                        <p:attrNameLst>
-                                          <p:attrName>style.visibility</p:attrName>
-                                        </p:attrNameLst>
-                                      </p:cBhvr>
-                                      <p:to>
-                                        <p:strVal val="visible"/>
-                                      </p:to>
-                                    </p:set>
-                                    <p:animEffect transition="in" filter="fade">
-                                      <p:cBhvr>
-                                        <p:cTn id="7" dur="1000"/>
-                                        <p:tgtEl>
-                                          <p:spTgt spid="3">
-                                            <p:txEl>
-                                              <p:pRg st="0" end="0"/>
-                                            </p:txEl>
-                                          </p:spTgt>
-                                        </p:tgtEl>
-                                      </p:cBhvr>
-                                    </p:animEffect>
-                                    <p:anim calcmode="lin" valueType="num">
-                                      <p:cBhvr>
-                                        <p:cTn id="8" dur="1000" fill="hold"/>
-                                        <p:tgtEl>
-                                          <p:spTgt spid="3">
-                                            <p:txEl>
-                                              <p:pRg st="0" end="0"/>
-                                            </p:txEl>
-                                          </p:spTgt>
-                                        </p:tgtEl>
-                                        <p:attrNameLst>
-                                          <p:attrName>ppt_x</p:attrName>
-                                        </p:attrNameLst>
-                                      </p:cBhvr>
-                                      <p:tavLst>
-                                        <p:tav tm="0">
-                                          <p:val>
-                                            <p:strVal val="#ppt_x"/>
-                                          </p:val>
-                                        </p:tav>
-                                        <p:tav tm="100000">
-                                          <p:val>
-                                            <p:strVal val="#ppt_x"/>
-                                          </p:val>
-                                        </p:tav>
-                                      </p:tavLst>
-                                    </p:anim>
-                                    <p:anim calcmode="lin" valueType="num">
-                                      <p:cBhvr>
-                                        <p:cTn id="9" dur="1000" fill="hold"/>
-                                        <p:tgtEl>
-                                          <p:spTgt spid="3">
-                                            <p:txEl>
-                                              <p:pRg st="0" end="0"/>
-                                            </p:txEl>
-                                          </p:spTgt>
-                                        </p:tgtEl>
-                                        <p:attrNameLst>
-                                          <p:attrName>ppt_y</p:attrName>
-                                        </p:attrNameLst>
-                                      </p:cBhvr>
-                                      <p:tavLst>
-                                        <p:tav tm="0">
-                                          <p:val>
-                                            <p:strVal val="#ppt_y+.1"/>
-                                          </p:val>
-                                        </p:tav>
-                                        <p:tav tm="100000">
-                                          <p:val>
-                                            <p:strVal val="#ppt_y"/>
-                                          </p:val>
-                                        </p:tav>
-                                      </p:tavLst>
-                                    </p:anim>
-                                  </p:childTnLst>
-                                </p:cTn>
-                              </p:par>
-                            </p:childTnLst>
-                          </p:cTn>
-                        </p:par>
-                      </p:childTnLst>
-                    </p:cTn>
-                  </p:par>
-                  <p:par>
-                    <p:cTn id="10" fill="hold">
-                      <p:stCondLst>
-                        <p:cond delay="indefinite"/>
-                      </p:stCondLst>
-                      <p:childTnLst>
-                        <p:par>
-                          <p:cTn id="11" fill="hold">
-                            <p:stCondLst>
-                              <p:cond delay="0"/>
-                            </p:stCondLst>
-                            <p:childTnLst>
-                              <p:par>
-                                <p:cTn id="12" presetID="42" presetClass="entr" presetSubtype="0" fill="hold" nodeType="clickEffect">
-                                  <p:stCondLst>
-                                    <p:cond delay="0"/>
-                                  </p:stCondLst>
-                                  <p:childTnLst>
-                                    <p:set>
-                                      <p:cBhvr>
-                                        <p:cTn id="13" dur="1" fill="hold">
-                                          <p:stCondLst>
-                                            <p:cond delay="0"/>
-                                          </p:stCondLst>
-                                        </p:cTn>
-                                        <p:tgtEl>
-                                          <p:spTgt spid="3">
-                                            <p:txEl>
-                                              <p:pRg st="2" end="2"/>
-                                            </p:txEl>
-                                          </p:spTgt>
-                                        </p:tgtEl>
-                                        <p:attrNameLst>
-                                          <p:attrName>style.visibility</p:attrName>
-                                        </p:attrNameLst>
-                                      </p:cBhvr>
-                                      <p:to>
-                                        <p:strVal val="visible"/>
-                                      </p:to>
-                                    </p:set>
-                                    <p:animEffect transition="in" filter="fade">
-                                      <p:cBhvr>
-                                        <p:cTn id="14" dur="1000"/>
-                                        <p:tgtEl>
-                                          <p:spTgt spid="3">
-                                            <p:txEl>
-                                              <p:pRg st="2" end="2"/>
-                                            </p:txEl>
-                                          </p:spTgt>
-                                        </p:tgtEl>
-                                      </p:cBhvr>
-                                    </p:animEffect>
-                                    <p:anim calcmode="lin" valueType="num">
-                                      <p:cBhvr>
-                                        <p:cTn id="15" dur="1000" fill="hold"/>
-                                        <p:tgtEl>
-                                          <p:spTgt spid="3">
-                                            <p:txEl>
-                                              <p:pRg st="2" end="2"/>
-                                            </p:txEl>
-                                          </p:spTgt>
-                                        </p:tgtEl>
-                                        <p:attrNameLst>
-                                          <p:attrName>ppt_x</p:attrName>
-                                        </p:attrNameLst>
-                                      </p:cBhvr>
-                                      <p:tavLst>
-                                        <p:tav tm="0">
-                                          <p:val>
-                                            <p:strVal val="#ppt_x"/>
-                                          </p:val>
-                                        </p:tav>
-                                        <p:tav tm="100000">
-                                          <p:val>
-                                            <p:strVal val="#ppt_x"/>
-                                          </p:val>
-                                        </p:tav>
-                                      </p:tavLst>
-                                    </p:anim>
-                                    <p:anim calcmode="lin" valueType="num">
-                                      <p:cBhvr>
-                                        <p:cTn id="16" dur="1000" fill="hold"/>
-                                        <p:tgtEl>
-                                          <p:spTgt spid="3">
-                                            <p:txEl>
-                                              <p:pRg st="2" end="2"/>
-                                            </p:txEl>
-                                          </p:spTgt>
-                                        </p:tgtEl>
-                                        <p:attrNameLst>
-                                          <p:attrName>ppt_y</p:attrName>
-                                        </p:attrNameLst>
-                                      </p:cBhvr>
-                                      <p:tavLst>
-                                        <p:tav tm="0">
-                                          <p:val>
-                                            <p:strVal val="#ppt_y+.1"/>
-                                          </p:val>
-                                        </p:tav>
-                                        <p:tav tm="100000">
-                                          <p:val>
-                                            <p:strVal val="#ppt_y"/>
-                                          </p:val>
-                                        </p:tav>
-                                      </p:tavLst>
-                                    </p:anim>
-                                  </p:childTnLst>
-                                </p:cTn>
-                              </p:par>
-                            </p:childTnLst>
-                          </p:cTn>
-                        </p:par>
-                      </p:childTnLst>
-                    </p:cTn>
-                  </p:par>
-                  <p:par>
-                    <p:cTn id="17" fill="hold">
-                      <p:stCondLst>
-                        <p:cond delay="indefinite"/>
-                      </p:stCondLst>
-                      <p:childTnLst>
-                        <p:par>
-                          <p:cTn id="18" fill="hold">
-                            <p:stCondLst>
-                              <p:cond delay="0"/>
-                            </p:stCondLst>
-                            <p:childTnLst>
-                              <p:par>
-                                <p:cTn id="19" presetID="42" presetClass="entr" presetSubtype="0" fill="hold" nodeType="clickEffect">
-                                  <p:stCondLst>
-                                    <p:cond delay="0"/>
-                                  </p:stCondLst>
-                                  <p:childTnLst>
-                                    <p:set>
-                                      <p:cBhvr>
-                                        <p:cTn id="20" dur="1" fill="hold">
-                                          <p:stCondLst>
-                                            <p:cond delay="0"/>
-                                          </p:stCondLst>
-                                        </p:cTn>
-                                        <p:tgtEl>
-                                          <p:spTgt spid="3">
-                                            <p:txEl>
-                                              <p:pRg st="4" end="4"/>
-                                            </p:txEl>
-                                          </p:spTgt>
-                                        </p:tgtEl>
-                                        <p:attrNameLst>
-                                          <p:attrName>style.visibility</p:attrName>
-                                        </p:attrNameLst>
-                                      </p:cBhvr>
-                                      <p:to>
-                                        <p:strVal val="visible"/>
-                                      </p:to>
-                                    </p:set>
-                                    <p:animEffect transition="in" filter="fade">
-                                      <p:cBhvr>
-                                        <p:cTn id="21" dur="1000"/>
-                                        <p:tgtEl>
-                                          <p:spTgt spid="3">
-                                            <p:txEl>
-                                              <p:pRg st="4" end="4"/>
-                                            </p:txEl>
-                                          </p:spTgt>
-                                        </p:tgtEl>
-                                      </p:cBhvr>
-                                    </p:animEffect>
-                                    <p:anim calcmode="lin" valueType="num">
-                                      <p:cBhvr>
-                                        <p:cTn id="22" dur="1000" fill="hold"/>
-                                        <p:tgtEl>
-                                          <p:spTgt spid="3">
-                                            <p:txEl>
-                                              <p:pRg st="4" end="4"/>
-                                            </p:txEl>
-                                          </p:spTgt>
-                                        </p:tgtEl>
-                                        <p:attrNameLst>
-                                          <p:attrName>ppt_x</p:attrName>
-                                        </p:attrNameLst>
-                                      </p:cBhvr>
-                                      <p:tavLst>
-                                        <p:tav tm="0">
-                                          <p:val>
-                                            <p:strVal val="#ppt_x"/>
-                                          </p:val>
-                                        </p:tav>
-                                        <p:tav tm="100000">
-                                          <p:val>
-                                            <p:strVal val="#ppt_x"/>
-                                          </p:val>
-                                        </p:tav>
-                                      </p:tavLst>
-                                    </p:anim>
-                                    <p:anim calcmode="lin" valueType="num">
-                                      <p:cBhvr>
-                                        <p:cTn id="23" dur="1000" fill="hold"/>
-                                        <p:tgtEl>
-                                          <p:spTgt spid="3">
-                                            <p:txEl>
-                                              <p:pRg st="4" end="4"/>
-                                            </p:txEl>
-                                          </p:spTgt>
-                                        </p:tgtEl>
-                                        <p:attrNameLst>
-                                          <p:attrName>ppt_y</p:attrName>
-                                        </p:attrNameLst>
-                                      </p:cBhvr>
-                                      <p:tavLst>
-                                        <p:tav tm="0">
-                                          <p:val>
-                                            <p:strVal val="#ppt_y+.1"/>
-                                          </p:val>
-                                        </p:tav>
-                                        <p:tav tm="100000">
-                                          <p:val>
-                                            <p:strVal val="#ppt_y"/>
-                                          </p:val>
-                                        </p:tav>
-                                      </p:tavLst>
-                                    </p:anim>
-                                  </p:childTnLst>
-                                </p:cTn>
-                              </p:par>
-                              <p:par>
-                                <p:cTn id="24" presetID="42" presetClass="entr" presetSubtype="0" fill="hold" nodeType="withEffect">
-                                  <p:stCondLst>
-                                    <p:cond delay="0"/>
-                                  </p:stCondLst>
-                                  <p:childTnLst>
-                                    <p:set>
-                                      <p:cBhvr>
-                                        <p:cTn id="25" dur="1" fill="hold">
                                           <p:stCondLst>
                                             <p:cond delay="0"/>
                                           </p:stCondLst>
@@ -6285,7 +5407,7 @@
                                     </p:set>
                                     <p:animEffect transition="in" filter="fade">
                                       <p:cBhvr>
-                                        <p:cTn id="26" dur="1000"/>
+                                        <p:cTn id="7" dur="1000"/>
                                         <p:tgtEl>
                                           <p:spTgt spid="4"/>
                                         </p:tgtEl>
@@ -6293,7 +5415,7 @@
                                     </p:animEffect>
                                     <p:anim calcmode="lin" valueType="num">
                                       <p:cBhvr>
-                                        <p:cTn id="27" dur="1000" fill="hold"/>
+                                        <p:cTn id="8" dur="1000" fill="hold"/>
                                         <p:tgtEl>
                                           <p:spTgt spid="4"/>
                                         </p:tgtEl>
@@ -6316,7 +5438,7 @@
                                     </p:anim>
                                     <p:anim calcmode="lin" valueType="num">
                                       <p:cBhvr>
-                                        <p:cTn id="28" dur="1000" fill="hold"/>
+                                        <p:cTn id="9" dur="1000" fill="hold"/>
                                         <p:tgtEl>
                                           <p:spTgt spid="4"/>
                                         </p:tgtEl>
@@ -6344,20 +5466,20 @@
                           </p:cTn>
                         </p:par>
                         <p:par>
-                          <p:cTn id="29" fill="hold">
+                          <p:cTn id="10" fill="hold">
                             <p:stCondLst>
                               <p:cond delay="1000"/>
                             </p:stCondLst>
                             <p:childTnLst>
                               <p:par>
-                                <p:cTn id="30" presetID="42" presetClass="entr" presetSubtype="0" fill="hold" nodeType="afterEffect">
+                                <p:cTn id="11" presetID="42" presetClass="entr" presetSubtype="0" fill="hold" nodeType="afterEffect">
                                   <p:stCondLst>
                                     <p:cond delay="0"/>
                                   </p:stCondLst>
                                   <p:childTnLst>
                                     <p:set>
                                       <p:cBhvr>
-                                        <p:cTn id="31" dur="1" fill="hold">
+                                        <p:cTn id="12" dur="1" fill="hold">
                                           <p:stCondLst>
                                             <p:cond delay="0"/>
                                           </p:stCondLst>
@@ -6379,7 +5501,7 @@
                                     </p:set>
                                     <p:animEffect transition="in" filter="fade">
                                       <p:cBhvr>
-                                        <p:cTn id="32" dur="1000"/>
+                                        <p:cTn id="13" dur="1000"/>
                                         <p:tgtEl>
                                           <p:spTgt spid="5">
                                             <p:txEl>
@@ -6391,7 +5513,7 @@
                                     </p:animEffect>
                                     <p:anim calcmode="lin" valueType="num">
                                       <p:cBhvr>
-                                        <p:cTn id="33" dur="1000" fill="hold"/>
+                                        <p:cTn id="14" dur="1000" fill="hold"/>
                                         <p:tgtEl>
                                           <p:spTgt spid="5">
                                             <p:txEl>
@@ -6418,7 +5540,7 @@
                                     </p:anim>
                                     <p:anim calcmode="lin" valueType="num">
                                       <p:cBhvr>
-                                        <p:cTn id="34" dur="1000" fill="hold"/>
+                                        <p:cTn id="15" dur="1000" fill="hold"/>
                                         <p:tgtEl>
                                           <p:spTgt spid="5">
                                             <p:txEl>
@@ -6538,7 +5660,6 @@
               <a:rPr lang="de-DE" sz="2600" dirty="0" smtClean="0"/>
               <a:t>Projektmanagement</a:t>
             </a:r>
-            <a:endParaRPr lang="de-DE" sz="2600" dirty="0" smtClean="0"/>
           </a:p>
           <a:p>
             <a:pPr marL="114300" indent="0">
@@ -6563,7 +5684,6 @@
               <a:rPr lang="de-DE" sz="2600" dirty="0" smtClean="0"/>
               <a:t>Systementwicklung</a:t>
             </a:r>
-            <a:endParaRPr lang="de-DE" sz="2600" dirty="0" smtClean="0"/>
           </a:p>
           <a:p>
             <a:pPr marL="114300" indent="0">
@@ -6671,6 +5791,9 @@
                     <p:cTn id="3" fill="hold">
                       <p:stCondLst>
                         <p:cond delay="indefinite"/>
+                        <p:cond evt="onBegin" delay="0">
+                          <p:tn val="2"/>
+                        </p:cond>
                       </p:stCondLst>
                       <p:childTnLst>
                         <p:par>
@@ -6680,7 +5803,7 @@
                             </p:stCondLst>
                             <p:childTnLst>
                               <p:par>
-                                <p:cTn id="5" presetID="42" presetClass="entr" presetSubtype="0" fill="hold" nodeType="clickEffect">
+                                <p:cTn id="5" presetID="42" presetClass="entr" presetSubtype="0" fill="hold" nodeType="withEffect">
                                   <p:stCondLst>
                                     <p:cond delay="0"/>
                                   </p:stCondLst>
@@ -6688,218 +5811,6 @@
                                     <p:set>
                                       <p:cBhvr>
                                         <p:cTn id="6" dur="1" fill="hold">
-                                          <p:stCondLst>
-                                            <p:cond delay="0"/>
-                                          </p:stCondLst>
-                                        </p:cTn>
-                                        <p:tgtEl>
-                                          <p:spTgt spid="3">
-                                            <p:txEl>
-                                              <p:pRg st="0" end="0"/>
-                                            </p:txEl>
-                                          </p:spTgt>
-                                        </p:tgtEl>
-                                        <p:attrNameLst>
-                                          <p:attrName>style.visibility</p:attrName>
-                                        </p:attrNameLst>
-                                      </p:cBhvr>
-                                      <p:to>
-                                        <p:strVal val="visible"/>
-                                      </p:to>
-                                    </p:set>
-                                    <p:animEffect transition="in" filter="fade">
-                                      <p:cBhvr>
-                                        <p:cTn id="7" dur="1000"/>
-                                        <p:tgtEl>
-                                          <p:spTgt spid="3">
-                                            <p:txEl>
-                                              <p:pRg st="0" end="0"/>
-                                            </p:txEl>
-                                          </p:spTgt>
-                                        </p:tgtEl>
-                                      </p:cBhvr>
-                                    </p:animEffect>
-                                    <p:anim calcmode="lin" valueType="num">
-                                      <p:cBhvr>
-                                        <p:cTn id="8" dur="1000" fill="hold"/>
-                                        <p:tgtEl>
-                                          <p:spTgt spid="3">
-                                            <p:txEl>
-                                              <p:pRg st="0" end="0"/>
-                                            </p:txEl>
-                                          </p:spTgt>
-                                        </p:tgtEl>
-                                        <p:attrNameLst>
-                                          <p:attrName>ppt_x</p:attrName>
-                                        </p:attrNameLst>
-                                      </p:cBhvr>
-                                      <p:tavLst>
-                                        <p:tav tm="0">
-                                          <p:val>
-                                            <p:strVal val="#ppt_x"/>
-                                          </p:val>
-                                        </p:tav>
-                                        <p:tav tm="100000">
-                                          <p:val>
-                                            <p:strVal val="#ppt_x"/>
-                                          </p:val>
-                                        </p:tav>
-                                      </p:tavLst>
-                                    </p:anim>
-                                    <p:anim calcmode="lin" valueType="num">
-                                      <p:cBhvr>
-                                        <p:cTn id="9" dur="1000" fill="hold"/>
-                                        <p:tgtEl>
-                                          <p:spTgt spid="3">
-                                            <p:txEl>
-                                              <p:pRg st="0" end="0"/>
-                                            </p:txEl>
-                                          </p:spTgt>
-                                        </p:tgtEl>
-                                        <p:attrNameLst>
-                                          <p:attrName>ppt_y</p:attrName>
-                                        </p:attrNameLst>
-                                      </p:cBhvr>
-                                      <p:tavLst>
-                                        <p:tav tm="0">
-                                          <p:val>
-                                            <p:strVal val="#ppt_y+.1"/>
-                                          </p:val>
-                                        </p:tav>
-                                        <p:tav tm="100000">
-                                          <p:val>
-                                            <p:strVal val="#ppt_y"/>
-                                          </p:val>
-                                        </p:tav>
-                                      </p:tavLst>
-                                    </p:anim>
-                                  </p:childTnLst>
-                                </p:cTn>
-                              </p:par>
-                            </p:childTnLst>
-                          </p:cTn>
-                        </p:par>
-                      </p:childTnLst>
-                    </p:cTn>
-                  </p:par>
-                  <p:par>
-                    <p:cTn id="10" fill="hold">
-                      <p:stCondLst>
-                        <p:cond delay="indefinite"/>
-                      </p:stCondLst>
-                      <p:childTnLst>
-                        <p:par>
-                          <p:cTn id="11" fill="hold">
-                            <p:stCondLst>
-                              <p:cond delay="0"/>
-                            </p:stCondLst>
-                            <p:childTnLst>
-                              <p:par>
-                                <p:cTn id="12" presetID="42" presetClass="entr" presetSubtype="0" fill="hold" nodeType="clickEffect">
-                                  <p:stCondLst>
-                                    <p:cond delay="0"/>
-                                  </p:stCondLst>
-                                  <p:childTnLst>
-                                    <p:set>
-                                      <p:cBhvr>
-                                        <p:cTn id="13" dur="1" fill="hold">
-                                          <p:stCondLst>
-                                            <p:cond delay="0"/>
-                                          </p:stCondLst>
-                                        </p:cTn>
-                                        <p:tgtEl>
-                                          <p:spTgt spid="3">
-                                            <p:txEl>
-                                              <p:pRg st="2" end="2"/>
-                                            </p:txEl>
-                                          </p:spTgt>
-                                        </p:tgtEl>
-                                        <p:attrNameLst>
-                                          <p:attrName>style.visibility</p:attrName>
-                                        </p:attrNameLst>
-                                      </p:cBhvr>
-                                      <p:to>
-                                        <p:strVal val="visible"/>
-                                      </p:to>
-                                    </p:set>
-                                    <p:animEffect transition="in" filter="fade">
-                                      <p:cBhvr>
-                                        <p:cTn id="14" dur="1000"/>
-                                        <p:tgtEl>
-                                          <p:spTgt spid="3">
-                                            <p:txEl>
-                                              <p:pRg st="2" end="2"/>
-                                            </p:txEl>
-                                          </p:spTgt>
-                                        </p:tgtEl>
-                                      </p:cBhvr>
-                                    </p:animEffect>
-                                    <p:anim calcmode="lin" valueType="num">
-                                      <p:cBhvr>
-                                        <p:cTn id="15" dur="1000" fill="hold"/>
-                                        <p:tgtEl>
-                                          <p:spTgt spid="3">
-                                            <p:txEl>
-                                              <p:pRg st="2" end="2"/>
-                                            </p:txEl>
-                                          </p:spTgt>
-                                        </p:tgtEl>
-                                        <p:attrNameLst>
-                                          <p:attrName>ppt_x</p:attrName>
-                                        </p:attrNameLst>
-                                      </p:cBhvr>
-                                      <p:tavLst>
-                                        <p:tav tm="0">
-                                          <p:val>
-                                            <p:strVal val="#ppt_x"/>
-                                          </p:val>
-                                        </p:tav>
-                                        <p:tav tm="100000">
-                                          <p:val>
-                                            <p:strVal val="#ppt_x"/>
-                                          </p:val>
-                                        </p:tav>
-                                      </p:tavLst>
-                                    </p:anim>
-                                    <p:anim calcmode="lin" valueType="num">
-                                      <p:cBhvr>
-                                        <p:cTn id="16" dur="1000" fill="hold"/>
-                                        <p:tgtEl>
-                                          <p:spTgt spid="3">
-                                            <p:txEl>
-                                              <p:pRg st="2" end="2"/>
-                                            </p:txEl>
-                                          </p:spTgt>
-                                        </p:tgtEl>
-                                        <p:attrNameLst>
-                                          <p:attrName>ppt_y</p:attrName>
-                                        </p:attrNameLst>
-                                      </p:cBhvr>
-                                      <p:tavLst>
-                                        <p:tav tm="0">
-                                          <p:val>
-                                            <p:strVal val="#ppt_y+.1"/>
-                                          </p:val>
-                                        </p:tav>
-                                        <p:tav tm="100000">
-                                          <p:val>
-                                            <p:strVal val="#ppt_y"/>
-                                          </p:val>
-                                        </p:tav>
-                                      </p:tavLst>
-                                    </p:anim>
-                                  </p:childTnLst>
-                                </p:cTn>
-                              </p:par>
-                              <p:par>
-                                <p:cTn id="17" presetID="42" presetClass="entr" presetSubtype="0" fill="hold" nodeType="withEffect">
-                                  <p:stCondLst>
-                                    <p:cond delay="0"/>
-                                  </p:stCondLst>
-                                  <p:childTnLst>
-                                    <p:set>
-                                      <p:cBhvr>
-                                        <p:cTn id="18" dur="1" fill="hold">
                                           <p:stCondLst>
                                             <p:cond delay="0"/>
                                           </p:stCondLst>
@@ -6917,7 +5828,7 @@
                                     </p:set>
                                     <p:animEffect transition="in" filter="fade">
                                       <p:cBhvr>
-                                        <p:cTn id="19" dur="1000"/>
+                                        <p:cTn id="7" dur="1000"/>
                                         <p:tgtEl>
                                           <p:spTgt spid="4"/>
                                         </p:tgtEl>
@@ -6925,7 +5836,7 @@
                                     </p:animEffect>
                                     <p:anim calcmode="lin" valueType="num">
                                       <p:cBhvr>
-                                        <p:cTn id="20" dur="1000" fill="hold"/>
+                                        <p:cTn id="8" dur="1000" fill="hold"/>
                                         <p:tgtEl>
                                           <p:spTgt spid="4"/>
                                         </p:tgtEl>
@@ -6948,7 +5859,7 @@
                                     </p:anim>
                                     <p:anim calcmode="lin" valueType="num">
                                       <p:cBhvr>
-                                        <p:cTn id="21" dur="1000" fill="hold"/>
+                                        <p:cTn id="9" dur="1000" fill="hold"/>
                                         <p:tgtEl>
                                           <p:spTgt spid="4"/>
                                         </p:tgtEl>
@@ -6975,251 +5886,21 @@
                             </p:childTnLst>
                           </p:cTn>
                         </p:par>
-                      </p:childTnLst>
-                    </p:cTn>
-                  </p:par>
-                  <p:par>
-                    <p:cTn id="22" fill="hold">
-                      <p:stCondLst>
-                        <p:cond delay="indefinite"/>
-                      </p:stCondLst>
-                      <p:childTnLst>
                         <p:par>
-                          <p:cTn id="23" fill="hold">
+                          <p:cTn id="10" fill="hold">
                             <p:stCondLst>
-                              <p:cond delay="0"/>
+                              <p:cond delay="1000"/>
                             </p:stCondLst>
                             <p:childTnLst>
                               <p:par>
-                                <p:cTn id="24" presetID="42" presetClass="entr" presetSubtype="0" fill="hold" nodeType="clickEffect">
+                                <p:cTn id="11" presetID="42" presetClass="entr" presetSubtype="0" fill="hold" nodeType="afterEffect">
                                   <p:stCondLst>
                                     <p:cond delay="0"/>
                                   </p:stCondLst>
                                   <p:childTnLst>
                                     <p:set>
                                       <p:cBhvr>
-                                        <p:cTn id="25" dur="1" fill="hold">
-                                          <p:stCondLst>
-                                            <p:cond delay="0"/>
-                                          </p:stCondLst>
-                                        </p:cTn>
-                                        <p:tgtEl>
-                                          <p:spTgt spid="3">
-                                            <p:txEl>
-                                              <p:pRg st="4" end="4"/>
-                                            </p:txEl>
-                                          </p:spTgt>
-                                        </p:tgtEl>
-                                        <p:attrNameLst>
-                                          <p:attrName>style.visibility</p:attrName>
-                                        </p:attrNameLst>
-                                      </p:cBhvr>
-                                      <p:to>
-                                        <p:strVal val="visible"/>
-                                      </p:to>
-                                    </p:set>
-                                    <p:animEffect transition="in" filter="fade">
-                                      <p:cBhvr>
-                                        <p:cTn id="26" dur="1000"/>
-                                        <p:tgtEl>
-                                          <p:spTgt spid="3">
-                                            <p:txEl>
-                                              <p:pRg st="4" end="4"/>
-                                            </p:txEl>
-                                          </p:spTgt>
-                                        </p:tgtEl>
-                                      </p:cBhvr>
-                                    </p:animEffect>
-                                    <p:anim calcmode="lin" valueType="num">
-                                      <p:cBhvr>
-                                        <p:cTn id="27" dur="1000" fill="hold"/>
-                                        <p:tgtEl>
-                                          <p:spTgt spid="3">
-                                            <p:txEl>
-                                              <p:pRg st="4" end="4"/>
-                                            </p:txEl>
-                                          </p:spTgt>
-                                        </p:tgtEl>
-                                        <p:attrNameLst>
-                                          <p:attrName>ppt_x</p:attrName>
-                                        </p:attrNameLst>
-                                      </p:cBhvr>
-                                      <p:tavLst>
-                                        <p:tav tm="0">
-                                          <p:val>
-                                            <p:strVal val="#ppt_x"/>
-                                          </p:val>
-                                        </p:tav>
-                                        <p:tav tm="100000">
-                                          <p:val>
-                                            <p:strVal val="#ppt_x"/>
-                                          </p:val>
-                                        </p:tav>
-                                      </p:tavLst>
-                                    </p:anim>
-                                    <p:anim calcmode="lin" valueType="num">
-                                      <p:cBhvr>
-                                        <p:cTn id="28" dur="1000" fill="hold"/>
-                                        <p:tgtEl>
-                                          <p:spTgt spid="3">
-                                            <p:txEl>
-                                              <p:pRg st="4" end="4"/>
-                                            </p:txEl>
-                                          </p:spTgt>
-                                        </p:tgtEl>
-                                        <p:attrNameLst>
-                                          <p:attrName>ppt_y</p:attrName>
-                                        </p:attrNameLst>
-                                      </p:cBhvr>
-                                      <p:tavLst>
-                                        <p:tav tm="0">
-                                          <p:val>
-                                            <p:strVal val="#ppt_y+.1"/>
-                                          </p:val>
-                                        </p:tav>
-                                        <p:tav tm="100000">
-                                          <p:val>
-                                            <p:strVal val="#ppt_y"/>
-                                          </p:val>
-                                        </p:tav>
-                                      </p:tavLst>
-                                    </p:anim>
-                                  </p:childTnLst>
-                                </p:cTn>
-                              </p:par>
-                            </p:childTnLst>
-                          </p:cTn>
-                        </p:par>
-                      </p:childTnLst>
-                    </p:cTn>
-                  </p:par>
-                  <p:par>
-                    <p:cTn id="29" fill="hold">
-                      <p:stCondLst>
-                        <p:cond delay="indefinite"/>
-                      </p:stCondLst>
-                      <p:childTnLst>
-                        <p:par>
-                          <p:cTn id="30" fill="hold">
-                            <p:stCondLst>
-                              <p:cond delay="0"/>
-                            </p:stCondLst>
-                            <p:childTnLst>
-                              <p:par>
-                                <p:cTn id="31" presetID="42" presetClass="entr" presetSubtype="0" fill="hold" nodeType="clickEffect">
-                                  <p:stCondLst>
-                                    <p:cond delay="0"/>
-                                  </p:stCondLst>
-                                  <p:childTnLst>
-                                    <p:set>
-                                      <p:cBhvr>
-                                        <p:cTn id="32" dur="1" fill="hold">
-                                          <p:stCondLst>
-                                            <p:cond delay="0"/>
-                                          </p:stCondLst>
-                                        </p:cTn>
-                                        <p:tgtEl>
-                                          <p:spTgt spid="3">
-                                            <p:txEl>
-                                              <p:pRg st="6" end="6"/>
-                                            </p:txEl>
-                                          </p:spTgt>
-                                        </p:tgtEl>
-                                        <p:attrNameLst>
-                                          <p:attrName>style.visibility</p:attrName>
-                                        </p:attrNameLst>
-                                      </p:cBhvr>
-                                      <p:to>
-                                        <p:strVal val="visible"/>
-                                      </p:to>
-                                    </p:set>
-                                    <p:animEffect transition="in" filter="fade">
-                                      <p:cBhvr>
-                                        <p:cTn id="33" dur="1000"/>
-                                        <p:tgtEl>
-                                          <p:spTgt spid="3">
-                                            <p:txEl>
-                                              <p:pRg st="6" end="6"/>
-                                            </p:txEl>
-                                          </p:spTgt>
-                                        </p:tgtEl>
-                                      </p:cBhvr>
-                                    </p:animEffect>
-                                    <p:anim calcmode="lin" valueType="num">
-                                      <p:cBhvr>
-                                        <p:cTn id="34" dur="1000" fill="hold"/>
-                                        <p:tgtEl>
-                                          <p:spTgt spid="3">
-                                            <p:txEl>
-                                              <p:pRg st="6" end="6"/>
-                                            </p:txEl>
-                                          </p:spTgt>
-                                        </p:tgtEl>
-                                        <p:attrNameLst>
-                                          <p:attrName>ppt_x</p:attrName>
-                                        </p:attrNameLst>
-                                      </p:cBhvr>
-                                      <p:tavLst>
-                                        <p:tav tm="0">
-                                          <p:val>
-                                            <p:strVal val="#ppt_x"/>
-                                          </p:val>
-                                        </p:tav>
-                                        <p:tav tm="100000">
-                                          <p:val>
-                                            <p:strVal val="#ppt_x"/>
-                                          </p:val>
-                                        </p:tav>
-                                      </p:tavLst>
-                                    </p:anim>
-                                    <p:anim calcmode="lin" valueType="num">
-                                      <p:cBhvr>
-                                        <p:cTn id="35" dur="1000" fill="hold"/>
-                                        <p:tgtEl>
-                                          <p:spTgt spid="3">
-                                            <p:txEl>
-                                              <p:pRg st="6" end="6"/>
-                                            </p:txEl>
-                                          </p:spTgt>
-                                        </p:tgtEl>
-                                        <p:attrNameLst>
-                                          <p:attrName>ppt_y</p:attrName>
-                                        </p:attrNameLst>
-                                      </p:cBhvr>
-                                      <p:tavLst>
-                                        <p:tav tm="0">
-                                          <p:val>
-                                            <p:strVal val="#ppt_y+.1"/>
-                                          </p:val>
-                                        </p:tav>
-                                        <p:tav tm="100000">
-                                          <p:val>
-                                            <p:strVal val="#ppt_y"/>
-                                          </p:val>
-                                        </p:tav>
-                                      </p:tavLst>
-                                    </p:anim>
-                                  </p:childTnLst>
-                                </p:cTn>
-                              </p:par>
-                            </p:childTnLst>
-                          </p:cTn>
-                        </p:par>
-                        <p:par>
-                          <p:cTn id="36" fill="hold">
-                            <p:stCondLst>
-                              <p:cond delay="1000"/>
-                            </p:stCondLst>
-                            <p:childTnLst>
-                              <p:par>
-                                <p:cTn id="37" presetID="42" presetClass="entr" presetSubtype="0" fill="hold" nodeType="afterEffect">
-                                  <p:stCondLst>
-                                    <p:cond delay="0"/>
-                                  </p:stCondLst>
-                                  <p:childTnLst>
-                                    <p:set>
-                                      <p:cBhvr>
-                                        <p:cTn id="38" dur="1" fill="hold">
+                                        <p:cTn id="12" dur="1" fill="hold">
                                           <p:stCondLst>
                                             <p:cond delay="0"/>
                                           </p:stCondLst>
@@ -7241,7 +5922,7 @@
                                     </p:set>
                                     <p:animEffect transition="in" filter="fade">
                                       <p:cBhvr>
-                                        <p:cTn id="39" dur="1000"/>
+                                        <p:cTn id="13" dur="1000"/>
                                         <p:tgtEl>
                                           <p:spTgt spid="5">
                                             <p:txEl>
@@ -7253,7 +5934,7 @@
                                     </p:animEffect>
                                     <p:anim calcmode="lin" valueType="num">
                                       <p:cBhvr>
-                                        <p:cTn id="40" dur="1000" fill="hold"/>
+                                        <p:cTn id="14" dur="1000" fill="hold"/>
                                         <p:tgtEl>
                                           <p:spTgt spid="5">
                                             <p:txEl>
@@ -7280,7 +5961,7 @@
                                     </p:anim>
                                     <p:anim calcmode="lin" valueType="num">
                                       <p:cBhvr>
-                                        <p:cTn id="41" dur="1000" fill="hold"/>
+                                        <p:cTn id="15" dur="1000" fill="hold"/>
                                         <p:tgtEl>
                                           <p:spTgt spid="5">
                                             <p:txEl>

--- a/Dokumente/Abschlusspräsentation/Semvis – Air  Reflexion.pptx
+++ b/Dokumente/Abschlusspräsentation/Semvis – Air  Reflexion.pptx
@@ -236,7 +236,7 @@
           <a:p>
             <a:fld id="{A3DC7936-8344-466C-BE19-839DC41B8843}" type="datetimeFigureOut">
               <a:rPr lang="de-DE" smtClean="0"/>
-              <a:t>12.04.2013</a:t>
+              <a:t>15.04.2013</a:t>
             </a:fld>
             <a:endParaRPr lang="de-DE"/>
           </a:p>
@@ -869,7 +869,7 @@
           <a:p>
             <a:fld id="{A3DC7936-8344-466C-BE19-839DC41B8843}" type="datetimeFigureOut">
               <a:rPr lang="de-DE" smtClean="0"/>
-              <a:t>12.04.2013</a:t>
+              <a:t>15.04.2013</a:t>
             </a:fld>
             <a:endParaRPr lang="de-DE"/>
           </a:p>
@@ -1146,7 +1146,7 @@
           <a:p>
             <a:fld id="{A3DC7936-8344-466C-BE19-839DC41B8843}" type="datetimeFigureOut">
               <a:rPr lang="de-DE" smtClean="0"/>
-              <a:t>12.04.2013</a:t>
+              <a:t>15.04.2013</a:t>
             </a:fld>
             <a:endParaRPr lang="de-DE"/>
           </a:p>
@@ -1311,7 +1311,7 @@
           <a:p>
             <a:fld id="{A3DC7936-8344-466C-BE19-839DC41B8843}" type="datetimeFigureOut">
               <a:rPr lang="de-DE" smtClean="0"/>
-              <a:t>12.04.2013</a:t>
+              <a:t>15.04.2013</a:t>
             </a:fld>
             <a:endParaRPr lang="de-DE"/>
           </a:p>
@@ -1492,7 +1492,7 @@
           <a:p>
             <a:fld id="{A3DC7936-8344-466C-BE19-839DC41B8843}" type="datetimeFigureOut">
               <a:rPr lang="de-DE" smtClean="0"/>
-              <a:t>12.04.2013</a:t>
+              <a:t>15.04.2013</a:t>
             </a:fld>
             <a:endParaRPr lang="de-DE"/>
           </a:p>
@@ -2137,7 +2137,7 @@
           <a:p>
             <a:fld id="{A3DC7936-8344-466C-BE19-839DC41B8843}" type="datetimeFigureOut">
               <a:rPr lang="de-DE" smtClean="0"/>
-              <a:t>12.04.2013</a:t>
+              <a:t>15.04.2013</a:t>
             </a:fld>
             <a:endParaRPr lang="de-DE"/>
           </a:p>
@@ -2563,7 +2563,7 @@
           <a:p>
             <a:fld id="{A3DC7936-8344-466C-BE19-839DC41B8843}" type="datetimeFigureOut">
               <a:rPr lang="de-DE" smtClean="0"/>
-              <a:t>12.04.2013</a:t>
+              <a:t>15.04.2013</a:t>
             </a:fld>
             <a:endParaRPr lang="de-DE"/>
           </a:p>
@@ -2676,7 +2676,7 @@
           <a:p>
             <a:fld id="{A3DC7936-8344-466C-BE19-839DC41B8843}" type="datetimeFigureOut">
               <a:rPr lang="de-DE" smtClean="0"/>
-              <a:t>12.04.2013</a:t>
+              <a:t>15.04.2013</a:t>
             </a:fld>
             <a:endParaRPr lang="de-DE"/>
           </a:p>
@@ -2857,7 +2857,7 @@
           <a:p>
             <a:fld id="{A3DC7936-8344-466C-BE19-839DC41B8843}" type="datetimeFigureOut">
               <a:rPr lang="de-DE" smtClean="0"/>
-              <a:t>12.04.2013</a:t>
+              <a:t>15.04.2013</a:t>
             </a:fld>
             <a:endParaRPr lang="de-DE"/>
           </a:p>
@@ -3123,7 +3123,7 @@
           <a:p>
             <a:fld id="{A3DC7936-8344-466C-BE19-839DC41B8843}" type="datetimeFigureOut">
               <a:rPr lang="de-DE" smtClean="0"/>
-              <a:t>12.04.2013</a:t>
+              <a:t>15.04.2013</a:t>
             </a:fld>
             <a:endParaRPr lang="de-DE"/>
           </a:p>
@@ -3593,7 +3593,7 @@
           <a:p>
             <a:fld id="{A3DC7936-8344-466C-BE19-839DC41B8843}" type="datetimeFigureOut">
               <a:rPr lang="de-DE" smtClean="0"/>
-              <a:t>12.04.2013</a:t>
+              <a:t>15.04.2013</a:t>
             </a:fld>
             <a:endParaRPr lang="de-DE"/>
           </a:p>
@@ -4153,7 +4153,7 @@
           <a:p>
             <a:fld id="{A3DC7936-8344-466C-BE19-839DC41B8843}" type="datetimeFigureOut">
               <a:rPr lang="de-DE" smtClean="0"/>
-              <a:t>12.04.2013</a:t>
+              <a:t>15.04.2013</a:t>
             </a:fld>
             <a:endParaRPr lang="de-DE"/>
           </a:p>
@@ -5658,8 +5658,9 @@
           <a:p>
             <a:r>
               <a:rPr lang="de-DE" sz="2600" dirty="0" smtClean="0"/>
-              <a:t>Projektmanagement</a:t>
-            </a:r>
+              <a:t>Systementwicklung</a:t>
+            </a:r>
+            <a:endParaRPr lang="de-DE" sz="2600" dirty="0" smtClean="0"/>
           </a:p>
           <a:p>
             <a:pPr marL="114300" indent="0">
@@ -5668,6 +5669,12 @@
             <a:endParaRPr lang="de-DE" sz="2600" dirty="0" smtClean="0"/>
           </a:p>
           <a:p>
+            <a:pPr marL="114300" indent="0">
+              <a:buNone/>
+            </a:pPr>
+            <a:endParaRPr lang="de-DE" sz="2600" dirty="0" smtClean="0"/>
+          </a:p>
+          <a:p>
             <a:r>
               <a:rPr lang="de-DE" sz="2600" dirty="0" smtClean="0"/>
               <a:t>Programmiererfahrung</a:t>
@@ -5680,12 +5687,6 @@
             <a:endParaRPr lang="de-DE" sz="2600" dirty="0" smtClean="0"/>
           </a:p>
           <a:p>
-            <a:r>
-              <a:rPr lang="de-DE" sz="2600" dirty="0" smtClean="0"/>
-              <a:t>Systementwicklung</a:t>
-            </a:r>
-          </a:p>
-          <a:p>
             <a:pPr marL="114300" indent="0">
               <a:buNone/>
             </a:pPr>
@@ -5694,8 +5695,9 @@
           <a:p>
             <a:r>
               <a:rPr lang="de-DE" sz="2600" dirty="0" smtClean="0"/>
-              <a:t>Kommunikation</a:t>
-            </a:r>
+              <a:t>Projektmanagement</a:t>
+            </a:r>
+            <a:endParaRPr lang="de-DE" sz="2600" dirty="0" smtClean="0"/>
           </a:p>
         </p:txBody>
       </p:sp>

--- a/Dokumente/Abschlusspräsentation/Semvis – Air  Reflexion.pptx
+++ b/Dokumente/Abschlusspräsentation/Semvis – Air  Reflexion.pptx
@@ -4999,184 +4999,7 @@
   <p:timing>
     <p:tnLst>
       <p:par>
-        <p:cTn id="1" dur="indefinite" restart="never" nodeType="tmRoot">
-          <p:childTnLst>
-            <p:seq concurrent="1" nextAc="seek">
-              <p:cTn id="2" dur="indefinite" nodeType="mainSeq">
-                <p:childTnLst>
-                  <p:par>
-                    <p:cTn id="3" fill="hold">
-                      <p:stCondLst>
-                        <p:cond delay="indefinite"/>
-                        <p:cond evt="onBegin" delay="0">
-                          <p:tn val="2"/>
-                        </p:cond>
-                      </p:stCondLst>
-                      <p:childTnLst>
-                        <p:par>
-                          <p:cTn id="4" fill="hold">
-                            <p:stCondLst>
-                              <p:cond delay="0"/>
-                            </p:stCondLst>
-                            <p:childTnLst>
-                              <p:par>
-                                <p:cTn id="5" presetID="42" presetClass="entr" presetSubtype="0" fill="hold" nodeType="withEffect">
-                                  <p:stCondLst>
-                                    <p:cond delay="0"/>
-                                  </p:stCondLst>
-                                  <p:childTnLst>
-                                    <p:set>
-                                      <p:cBhvr>
-                                        <p:cTn id="6" dur="1" fill="hold">
-                                          <p:stCondLst>
-                                            <p:cond delay="0"/>
-                                          </p:stCondLst>
-                                        </p:cTn>
-                                        <p:tgtEl>
-                                          <p:spTgt spid="4"/>
-                                        </p:tgtEl>
-                                        <p:attrNameLst>
-                                          <p:attrName>style.visibility</p:attrName>
-                                        </p:attrNameLst>
-                                      </p:cBhvr>
-                                      <p:to>
-                                        <p:strVal val="visible"/>
-                                      </p:to>
-                                    </p:set>
-                                    <p:animEffect transition="in" filter="fade">
-                                      <p:cBhvr>
-                                        <p:cTn id="7" dur="1000"/>
-                                        <p:tgtEl>
-                                          <p:spTgt spid="4"/>
-                                        </p:tgtEl>
-                                      </p:cBhvr>
-                                    </p:animEffect>
-                                    <p:anim calcmode="lin" valueType="num">
-                                      <p:cBhvr>
-                                        <p:cTn id="8" dur="1000" fill="hold"/>
-                                        <p:tgtEl>
-                                          <p:spTgt spid="4"/>
-                                        </p:tgtEl>
-                                        <p:attrNameLst>
-                                          <p:attrName>ppt_x</p:attrName>
-                                        </p:attrNameLst>
-                                      </p:cBhvr>
-                                      <p:tavLst>
-                                        <p:tav tm="0">
-                                          <p:val>
-                                            <p:strVal val="#ppt_x"/>
-                                          </p:val>
-                                        </p:tav>
-                                        <p:tav tm="100000">
-                                          <p:val>
-                                            <p:strVal val="#ppt_x"/>
-                                          </p:val>
-                                        </p:tav>
-                                      </p:tavLst>
-                                    </p:anim>
-                                    <p:anim calcmode="lin" valueType="num">
-                                      <p:cBhvr>
-                                        <p:cTn id="9" dur="1000" fill="hold"/>
-                                        <p:tgtEl>
-                                          <p:spTgt spid="4"/>
-                                        </p:tgtEl>
-                                        <p:attrNameLst>
-                                          <p:attrName>ppt_y</p:attrName>
-                                        </p:attrNameLst>
-                                      </p:cBhvr>
-                                      <p:tavLst>
-                                        <p:tav tm="0">
-                                          <p:val>
-                                            <p:strVal val="#ppt_y+.1"/>
-                                          </p:val>
-                                        </p:tav>
-                                        <p:tav tm="100000">
-                                          <p:val>
-                                            <p:strVal val="#ppt_y"/>
-                                          </p:val>
-                                        </p:tav>
-                                      </p:tavLst>
-                                    </p:anim>
-                                  </p:childTnLst>
-                                </p:cTn>
-                              </p:par>
-                            </p:childTnLst>
-                          </p:cTn>
-                        </p:par>
-                        <p:par>
-                          <p:cTn id="10" fill="hold">
-                            <p:stCondLst>
-                              <p:cond delay="1000"/>
-                            </p:stCondLst>
-                            <p:childTnLst>
-                              <p:par>
-                                <p:cTn id="11" presetID="10" presetClass="entr" presetSubtype="0" fill="hold" nodeType="afterEffect">
-                                  <p:stCondLst>
-                                    <p:cond delay="0"/>
-                                  </p:stCondLst>
-                                  <p:childTnLst>
-                                    <p:set>
-                                      <p:cBhvr>
-                                        <p:cTn id="12" dur="1" fill="hold">
-                                          <p:stCondLst>
-                                            <p:cond delay="0"/>
-                                          </p:stCondLst>
-                                        </p:cTn>
-                                        <p:tgtEl>
-                                          <p:spTgt spid="5">
-                                            <p:txEl>
-                                              <p:pRg st="0" end="0"/>
-                                            </p:txEl>
-                                          </p:spTgt>
-                                        </p:tgtEl>
-                                        <p:attrNameLst>
-                                          <p:attrName>style.visibility</p:attrName>
-                                        </p:attrNameLst>
-                                      </p:cBhvr>
-                                      <p:to>
-                                        <p:strVal val="visible"/>
-                                      </p:to>
-                                    </p:set>
-                                    <p:animEffect transition="in" filter="fade">
-                                      <p:cBhvr>
-                                        <p:cTn id="13" dur="500"/>
-                                        <p:tgtEl>
-                                          <p:spTgt spid="5">
-                                            <p:txEl>
-                                              <p:pRg st="0" end="0"/>
-                                            </p:txEl>
-                                          </p:spTgt>
-                                        </p:tgtEl>
-                                      </p:cBhvr>
-                                    </p:animEffect>
-                                  </p:childTnLst>
-                                </p:cTn>
-                              </p:par>
-                            </p:childTnLst>
-                          </p:cTn>
-                        </p:par>
-                      </p:childTnLst>
-                    </p:cTn>
-                  </p:par>
-                </p:childTnLst>
-              </p:cTn>
-              <p:prevCondLst>
-                <p:cond evt="onPrev" delay="0">
-                  <p:tgtEl>
-                    <p:sldTgt/>
-                  </p:tgtEl>
-                </p:cond>
-              </p:prevCondLst>
-              <p:nextCondLst>
-                <p:cond evt="onNext" delay="0">
-                  <p:tgtEl>
-                    <p:sldTgt/>
-                  </p:tgtEl>
-                </p:cond>
-              </p:nextCondLst>
-            </p:seq>
-          </p:childTnLst>
-        </p:cTn>
+        <p:cTn id="1" dur="indefinite" restart="never" nodeType="tmRoot"/>
       </p:par>
     </p:tnLst>
   </p:timing>
@@ -5361,238 +5184,7 @@
   <p:timing>
     <p:tnLst>
       <p:par>
-        <p:cTn id="1" dur="indefinite" restart="never" nodeType="tmRoot">
-          <p:childTnLst>
-            <p:seq concurrent="1" nextAc="seek">
-              <p:cTn id="2" dur="indefinite" nodeType="mainSeq">
-                <p:childTnLst>
-                  <p:par>
-                    <p:cTn id="3" fill="hold">
-                      <p:stCondLst>
-                        <p:cond delay="indefinite"/>
-                        <p:cond evt="onBegin" delay="0">
-                          <p:tn val="2"/>
-                        </p:cond>
-                      </p:stCondLst>
-                      <p:childTnLst>
-                        <p:par>
-                          <p:cTn id="4" fill="hold">
-                            <p:stCondLst>
-                              <p:cond delay="0"/>
-                            </p:stCondLst>
-                            <p:childTnLst>
-                              <p:par>
-                                <p:cTn id="5" presetID="42" presetClass="entr" presetSubtype="0" fill="hold" nodeType="withEffect">
-                                  <p:stCondLst>
-                                    <p:cond delay="0"/>
-                                  </p:stCondLst>
-                                  <p:childTnLst>
-                                    <p:set>
-                                      <p:cBhvr>
-                                        <p:cTn id="6" dur="1" fill="hold">
-                                          <p:stCondLst>
-                                            <p:cond delay="0"/>
-                                          </p:stCondLst>
-                                        </p:cTn>
-                                        <p:tgtEl>
-                                          <p:spTgt spid="4"/>
-                                        </p:tgtEl>
-                                        <p:attrNameLst>
-                                          <p:attrName>style.visibility</p:attrName>
-                                        </p:attrNameLst>
-                                      </p:cBhvr>
-                                      <p:to>
-                                        <p:strVal val="visible"/>
-                                      </p:to>
-                                    </p:set>
-                                    <p:animEffect transition="in" filter="fade">
-                                      <p:cBhvr>
-                                        <p:cTn id="7" dur="1000"/>
-                                        <p:tgtEl>
-                                          <p:spTgt spid="4"/>
-                                        </p:tgtEl>
-                                      </p:cBhvr>
-                                    </p:animEffect>
-                                    <p:anim calcmode="lin" valueType="num">
-                                      <p:cBhvr>
-                                        <p:cTn id="8" dur="1000" fill="hold"/>
-                                        <p:tgtEl>
-                                          <p:spTgt spid="4"/>
-                                        </p:tgtEl>
-                                        <p:attrNameLst>
-                                          <p:attrName>ppt_x</p:attrName>
-                                        </p:attrNameLst>
-                                      </p:cBhvr>
-                                      <p:tavLst>
-                                        <p:tav tm="0">
-                                          <p:val>
-                                            <p:strVal val="#ppt_x"/>
-                                          </p:val>
-                                        </p:tav>
-                                        <p:tav tm="100000">
-                                          <p:val>
-                                            <p:strVal val="#ppt_x"/>
-                                          </p:val>
-                                        </p:tav>
-                                      </p:tavLst>
-                                    </p:anim>
-                                    <p:anim calcmode="lin" valueType="num">
-                                      <p:cBhvr>
-                                        <p:cTn id="9" dur="1000" fill="hold"/>
-                                        <p:tgtEl>
-                                          <p:spTgt spid="4"/>
-                                        </p:tgtEl>
-                                        <p:attrNameLst>
-                                          <p:attrName>ppt_y</p:attrName>
-                                        </p:attrNameLst>
-                                      </p:cBhvr>
-                                      <p:tavLst>
-                                        <p:tav tm="0">
-                                          <p:val>
-                                            <p:strVal val="#ppt_y+.1"/>
-                                          </p:val>
-                                        </p:tav>
-                                        <p:tav tm="100000">
-                                          <p:val>
-                                            <p:strVal val="#ppt_y"/>
-                                          </p:val>
-                                        </p:tav>
-                                      </p:tavLst>
-                                    </p:anim>
-                                  </p:childTnLst>
-                                </p:cTn>
-                              </p:par>
-                            </p:childTnLst>
-                          </p:cTn>
-                        </p:par>
-                        <p:par>
-                          <p:cTn id="10" fill="hold">
-                            <p:stCondLst>
-                              <p:cond delay="1000"/>
-                            </p:stCondLst>
-                            <p:childTnLst>
-                              <p:par>
-                                <p:cTn id="11" presetID="42" presetClass="entr" presetSubtype="0" fill="hold" nodeType="afterEffect">
-                                  <p:stCondLst>
-                                    <p:cond delay="0"/>
-                                  </p:stCondLst>
-                                  <p:childTnLst>
-                                    <p:set>
-                                      <p:cBhvr>
-                                        <p:cTn id="12" dur="1" fill="hold">
-                                          <p:stCondLst>
-                                            <p:cond delay="0"/>
-                                          </p:stCondLst>
-                                        </p:cTn>
-                                        <p:tgtEl>
-                                          <p:spTgt spid="5">
-                                            <p:txEl>
-                                              <p:pRg st="0" end="0"/>
-                                            </p:txEl>
-                                          </p:spTgt>
-                                        </p:tgtEl>
-                                        <p:attrNameLst>
-                                          <p:attrName>style.visibility</p:attrName>
-                                        </p:attrNameLst>
-                                      </p:cBhvr>
-                                      <p:to>
-                                        <p:strVal val="visible"/>
-                                      </p:to>
-                                    </p:set>
-                                    <p:animEffect transition="in" filter="fade">
-                                      <p:cBhvr>
-                                        <p:cTn id="13" dur="1000"/>
-                                        <p:tgtEl>
-                                          <p:spTgt spid="5">
-                                            <p:txEl>
-                                              <p:pRg st="0" end="0"/>
-                                            </p:txEl>
-                                          </p:spTgt>
-                                        </p:tgtEl>
-                                      </p:cBhvr>
-                                    </p:animEffect>
-                                    <p:anim calcmode="lin" valueType="num">
-                                      <p:cBhvr>
-                                        <p:cTn id="14" dur="1000" fill="hold"/>
-                                        <p:tgtEl>
-                                          <p:spTgt spid="5">
-                                            <p:txEl>
-                                              <p:pRg st="0" end="0"/>
-                                            </p:txEl>
-                                          </p:spTgt>
-                                        </p:tgtEl>
-                                        <p:attrNameLst>
-                                          <p:attrName>ppt_x</p:attrName>
-                                        </p:attrNameLst>
-                                      </p:cBhvr>
-                                      <p:tavLst>
-                                        <p:tav tm="0">
-                                          <p:val>
-                                            <p:strVal val="#ppt_x"/>
-                                          </p:val>
-                                        </p:tav>
-                                        <p:tav tm="100000">
-                                          <p:val>
-                                            <p:strVal val="#ppt_x"/>
-                                          </p:val>
-                                        </p:tav>
-                                      </p:tavLst>
-                                    </p:anim>
-                                    <p:anim calcmode="lin" valueType="num">
-                                      <p:cBhvr>
-                                        <p:cTn id="15" dur="1000" fill="hold"/>
-                                        <p:tgtEl>
-                                          <p:spTgt spid="5">
-                                            <p:txEl>
-                                              <p:pRg st="0" end="0"/>
-                                            </p:txEl>
-                                          </p:spTgt>
-                                        </p:tgtEl>
-                                        <p:attrNameLst>
-                                          <p:attrName>ppt_y</p:attrName>
-                                        </p:attrNameLst>
-                                      </p:cBhvr>
-                                      <p:tavLst>
-                                        <p:tav tm="0">
-                                          <p:val>
-                                            <p:strVal val="#ppt_y+.1"/>
-                                          </p:val>
-                                        </p:tav>
-                                        <p:tav tm="100000">
-                                          <p:val>
-                                            <p:strVal val="#ppt_y"/>
-                                          </p:val>
-                                        </p:tav>
-                                      </p:tavLst>
-                                    </p:anim>
-                                  </p:childTnLst>
-                                </p:cTn>
-                              </p:par>
-                            </p:childTnLst>
-                          </p:cTn>
-                        </p:par>
-                      </p:childTnLst>
-                    </p:cTn>
-                  </p:par>
-                </p:childTnLst>
-              </p:cTn>
-              <p:prevCondLst>
-                <p:cond evt="onPrev" delay="0">
-                  <p:tgtEl>
-                    <p:sldTgt/>
-                  </p:tgtEl>
-                </p:cond>
-              </p:prevCondLst>
-              <p:nextCondLst>
-                <p:cond evt="onNext" delay="0">
-                  <p:tgtEl>
-                    <p:sldTgt/>
-                  </p:tgtEl>
-                </p:cond>
-              </p:nextCondLst>
-            </p:seq>
-          </p:childTnLst>
-        </p:cTn>
+        <p:cTn id="1" dur="indefinite" restart="never" nodeType="tmRoot"/>
       </p:par>
     </p:tnLst>
   </p:timing>
@@ -5660,7 +5252,6 @@
               <a:rPr lang="de-DE" sz="2600" dirty="0" smtClean="0"/>
               <a:t>Systementwicklung</a:t>
             </a:r>
-            <a:endParaRPr lang="de-DE" sz="2600" dirty="0" smtClean="0"/>
           </a:p>
           <a:p>
             <a:pPr marL="114300" indent="0">
@@ -5697,7 +5288,6 @@
               <a:rPr lang="de-DE" sz="2600" dirty="0" smtClean="0"/>
               <a:t>Projektmanagement</a:t>
             </a:r>
-            <a:endParaRPr lang="de-DE" sz="2600" dirty="0" smtClean="0"/>
           </a:p>
         </p:txBody>
       </p:sp>
@@ -5784,238 +5374,7 @@
   <p:timing>
     <p:tnLst>
       <p:par>
-        <p:cTn id="1" dur="indefinite" restart="never" nodeType="tmRoot">
-          <p:childTnLst>
-            <p:seq concurrent="1" nextAc="seek">
-              <p:cTn id="2" dur="indefinite" nodeType="mainSeq">
-                <p:childTnLst>
-                  <p:par>
-                    <p:cTn id="3" fill="hold">
-                      <p:stCondLst>
-                        <p:cond delay="indefinite"/>
-                        <p:cond evt="onBegin" delay="0">
-                          <p:tn val="2"/>
-                        </p:cond>
-                      </p:stCondLst>
-                      <p:childTnLst>
-                        <p:par>
-                          <p:cTn id="4" fill="hold">
-                            <p:stCondLst>
-                              <p:cond delay="0"/>
-                            </p:stCondLst>
-                            <p:childTnLst>
-                              <p:par>
-                                <p:cTn id="5" presetID="42" presetClass="entr" presetSubtype="0" fill="hold" nodeType="withEffect">
-                                  <p:stCondLst>
-                                    <p:cond delay="0"/>
-                                  </p:stCondLst>
-                                  <p:childTnLst>
-                                    <p:set>
-                                      <p:cBhvr>
-                                        <p:cTn id="6" dur="1" fill="hold">
-                                          <p:stCondLst>
-                                            <p:cond delay="0"/>
-                                          </p:stCondLst>
-                                        </p:cTn>
-                                        <p:tgtEl>
-                                          <p:spTgt spid="4"/>
-                                        </p:tgtEl>
-                                        <p:attrNameLst>
-                                          <p:attrName>style.visibility</p:attrName>
-                                        </p:attrNameLst>
-                                      </p:cBhvr>
-                                      <p:to>
-                                        <p:strVal val="visible"/>
-                                      </p:to>
-                                    </p:set>
-                                    <p:animEffect transition="in" filter="fade">
-                                      <p:cBhvr>
-                                        <p:cTn id="7" dur="1000"/>
-                                        <p:tgtEl>
-                                          <p:spTgt spid="4"/>
-                                        </p:tgtEl>
-                                      </p:cBhvr>
-                                    </p:animEffect>
-                                    <p:anim calcmode="lin" valueType="num">
-                                      <p:cBhvr>
-                                        <p:cTn id="8" dur="1000" fill="hold"/>
-                                        <p:tgtEl>
-                                          <p:spTgt spid="4"/>
-                                        </p:tgtEl>
-                                        <p:attrNameLst>
-                                          <p:attrName>ppt_x</p:attrName>
-                                        </p:attrNameLst>
-                                      </p:cBhvr>
-                                      <p:tavLst>
-                                        <p:tav tm="0">
-                                          <p:val>
-                                            <p:strVal val="#ppt_x"/>
-                                          </p:val>
-                                        </p:tav>
-                                        <p:tav tm="100000">
-                                          <p:val>
-                                            <p:strVal val="#ppt_x"/>
-                                          </p:val>
-                                        </p:tav>
-                                      </p:tavLst>
-                                    </p:anim>
-                                    <p:anim calcmode="lin" valueType="num">
-                                      <p:cBhvr>
-                                        <p:cTn id="9" dur="1000" fill="hold"/>
-                                        <p:tgtEl>
-                                          <p:spTgt spid="4"/>
-                                        </p:tgtEl>
-                                        <p:attrNameLst>
-                                          <p:attrName>ppt_y</p:attrName>
-                                        </p:attrNameLst>
-                                      </p:cBhvr>
-                                      <p:tavLst>
-                                        <p:tav tm="0">
-                                          <p:val>
-                                            <p:strVal val="#ppt_y+.1"/>
-                                          </p:val>
-                                        </p:tav>
-                                        <p:tav tm="100000">
-                                          <p:val>
-                                            <p:strVal val="#ppt_y"/>
-                                          </p:val>
-                                        </p:tav>
-                                      </p:tavLst>
-                                    </p:anim>
-                                  </p:childTnLst>
-                                </p:cTn>
-                              </p:par>
-                            </p:childTnLst>
-                          </p:cTn>
-                        </p:par>
-                        <p:par>
-                          <p:cTn id="10" fill="hold">
-                            <p:stCondLst>
-                              <p:cond delay="1000"/>
-                            </p:stCondLst>
-                            <p:childTnLst>
-                              <p:par>
-                                <p:cTn id="11" presetID="42" presetClass="entr" presetSubtype="0" fill="hold" nodeType="afterEffect">
-                                  <p:stCondLst>
-                                    <p:cond delay="0"/>
-                                  </p:stCondLst>
-                                  <p:childTnLst>
-                                    <p:set>
-                                      <p:cBhvr>
-                                        <p:cTn id="12" dur="1" fill="hold">
-                                          <p:stCondLst>
-                                            <p:cond delay="0"/>
-                                          </p:stCondLst>
-                                        </p:cTn>
-                                        <p:tgtEl>
-                                          <p:spTgt spid="5">
-                                            <p:txEl>
-                                              <p:pRg st="0" end="0"/>
-                                            </p:txEl>
-                                          </p:spTgt>
-                                        </p:tgtEl>
-                                        <p:attrNameLst>
-                                          <p:attrName>style.visibility</p:attrName>
-                                        </p:attrNameLst>
-                                      </p:cBhvr>
-                                      <p:to>
-                                        <p:strVal val="visible"/>
-                                      </p:to>
-                                    </p:set>
-                                    <p:animEffect transition="in" filter="fade">
-                                      <p:cBhvr>
-                                        <p:cTn id="13" dur="1000"/>
-                                        <p:tgtEl>
-                                          <p:spTgt spid="5">
-                                            <p:txEl>
-                                              <p:pRg st="0" end="0"/>
-                                            </p:txEl>
-                                          </p:spTgt>
-                                        </p:tgtEl>
-                                      </p:cBhvr>
-                                    </p:animEffect>
-                                    <p:anim calcmode="lin" valueType="num">
-                                      <p:cBhvr>
-                                        <p:cTn id="14" dur="1000" fill="hold"/>
-                                        <p:tgtEl>
-                                          <p:spTgt spid="5">
-                                            <p:txEl>
-                                              <p:pRg st="0" end="0"/>
-                                            </p:txEl>
-                                          </p:spTgt>
-                                        </p:tgtEl>
-                                        <p:attrNameLst>
-                                          <p:attrName>ppt_x</p:attrName>
-                                        </p:attrNameLst>
-                                      </p:cBhvr>
-                                      <p:tavLst>
-                                        <p:tav tm="0">
-                                          <p:val>
-                                            <p:strVal val="#ppt_x"/>
-                                          </p:val>
-                                        </p:tav>
-                                        <p:tav tm="100000">
-                                          <p:val>
-                                            <p:strVal val="#ppt_x"/>
-                                          </p:val>
-                                        </p:tav>
-                                      </p:tavLst>
-                                    </p:anim>
-                                    <p:anim calcmode="lin" valueType="num">
-                                      <p:cBhvr>
-                                        <p:cTn id="15" dur="1000" fill="hold"/>
-                                        <p:tgtEl>
-                                          <p:spTgt spid="5">
-                                            <p:txEl>
-                                              <p:pRg st="0" end="0"/>
-                                            </p:txEl>
-                                          </p:spTgt>
-                                        </p:tgtEl>
-                                        <p:attrNameLst>
-                                          <p:attrName>ppt_y</p:attrName>
-                                        </p:attrNameLst>
-                                      </p:cBhvr>
-                                      <p:tavLst>
-                                        <p:tav tm="0">
-                                          <p:val>
-                                            <p:strVal val="#ppt_y+.1"/>
-                                          </p:val>
-                                        </p:tav>
-                                        <p:tav tm="100000">
-                                          <p:val>
-                                            <p:strVal val="#ppt_y"/>
-                                          </p:val>
-                                        </p:tav>
-                                      </p:tavLst>
-                                    </p:anim>
-                                  </p:childTnLst>
-                                </p:cTn>
-                              </p:par>
-                            </p:childTnLst>
-                          </p:cTn>
-                        </p:par>
-                      </p:childTnLst>
-                    </p:cTn>
-                  </p:par>
-                </p:childTnLst>
-              </p:cTn>
-              <p:prevCondLst>
-                <p:cond evt="onPrev" delay="0">
-                  <p:tgtEl>
-                    <p:sldTgt/>
-                  </p:tgtEl>
-                </p:cond>
-              </p:prevCondLst>
-              <p:nextCondLst>
-                <p:cond evt="onNext" delay="0">
-                  <p:tgtEl>
-                    <p:sldTgt/>
-                  </p:tgtEl>
-                </p:cond>
-              </p:nextCondLst>
-            </p:seq>
-          </p:childTnLst>
-        </p:cTn>
+        <p:cTn id="1" dur="indefinite" restart="never" nodeType="tmRoot"/>
       </p:par>
     </p:tnLst>
   </p:timing>
